--- a/我准备的分享/(免费)科学上网.pptx
+++ b/我准备的分享/(免费)科学上网.pptx
@@ -17,13 +17,12 @@
     <p:sldId id="402" r:id="rId10"/>
     <p:sldId id="403" r:id="rId11"/>
     <p:sldId id="404" r:id="rId12"/>
-    <p:sldId id="405" r:id="rId13"/>
-    <p:sldId id="409" r:id="rId14"/>
-    <p:sldId id="410" r:id="rId15"/>
-    <p:sldId id="411" r:id="rId16"/>
-    <p:sldId id="395" r:id="rId17"/>
-    <p:sldId id="406" r:id="rId18"/>
-    <p:sldId id="331" r:id="rId19"/>
+    <p:sldId id="409" r:id="rId13"/>
+    <p:sldId id="410" r:id="rId14"/>
+    <p:sldId id="411" r:id="rId15"/>
+    <p:sldId id="395" r:id="rId16"/>
+    <p:sldId id="406" r:id="rId17"/>
+    <p:sldId id="331" r:id="rId18"/>
   </p:sldIdLst>
   <p:sldSz cx="9144000" cy="5143500" type="screen16x9"/>
   <p:notesSz cx="6858000" cy="9144000"/>
@@ -941,84 +940,6 @@
 </file>
 
 <file path=ppt/notesSlides/notesSlide15.xml><?xml version="1.0" encoding="utf-8"?>
-<p:notes xmlns:a="http://schemas.openxmlformats.org/drawingml/2006/main" xmlns:r="http://schemas.openxmlformats.org/officeDocument/2006/relationships" xmlns:p="http://schemas.openxmlformats.org/presentationml/2006/main">
-  <p:cSld>
-    <p:spTree>
-      <p:nvGrpSpPr>
-        <p:cNvPr id="1" name=""/>
-        <p:cNvGrpSpPr/>
-        <p:nvPr/>
-      </p:nvGrpSpPr>
-      <p:grpSpPr>
-        <a:xfrm>
-          <a:off x="0" y="0"/>
-          <a:ext cx="0" cy="0"/>
-          <a:chOff x="0" y="0"/>
-          <a:chExt cx="0" cy="0"/>
-        </a:xfrm>
-      </p:grpSpPr>
-      <p:sp>
-        <p:nvSpPr>
-          <p:cNvPr id="2" name="幻灯片图像占位符 1"/>
-          <p:cNvSpPr>
-            <a:spLocks noGrp="1" noRot="1" noChangeAspect="1"/>
-          </p:cNvSpPr>
-          <p:nvPr>
-            <p:ph type="sldImg"/>
-          </p:nvPr>
-        </p:nvSpPr>
-        <p:spPr/>
-      </p:sp>
-      <p:sp>
-        <p:nvSpPr>
-          <p:cNvPr id="3" name="备注占位符 2"/>
-          <p:cNvSpPr>
-            <a:spLocks noGrp="1"/>
-          </p:cNvSpPr>
-          <p:nvPr>
-            <p:ph type="body" idx="1"/>
-          </p:nvPr>
-        </p:nvSpPr>
-        <p:spPr/>
-        <p:txBody>
-          <a:bodyPr/>
-          <a:lstStyle/>
-          <a:p>
-            <a:endParaRPr lang="zh-CN" altLang="en-US"/>
-          </a:p>
-        </p:txBody>
-      </p:sp>
-      <p:sp>
-        <p:nvSpPr>
-          <p:cNvPr id="4" name="灯片编号占位符 3"/>
-          <p:cNvSpPr>
-            <a:spLocks noGrp="1"/>
-          </p:cNvSpPr>
-          <p:nvPr>
-            <p:ph type="sldNum" sz="quarter" idx="10"/>
-          </p:nvPr>
-        </p:nvSpPr>
-        <p:spPr/>
-        <p:txBody>
-          <a:bodyPr/>
-          <a:lstStyle/>
-          <a:p>
-            <a:fld id="{621F41D1-EB0D-4857-8E93-8C1C831E6153}" type="slidenum">
-              <a:rPr lang="zh-CN" altLang="en-US" smtClean="0"/>
-            </a:fld>
-            <a:endParaRPr lang="zh-CN" altLang="en-US"/>
-          </a:p>
-        </p:txBody>
-      </p:sp>
-    </p:spTree>
-  </p:cSld>
-  <p:clrMapOvr>
-    <a:masterClrMapping/>
-  </p:clrMapOvr>
-</p:notes>
-</file>
-
-<file path=ppt/notesSlides/notesSlide16.xml><?xml version="1.0" encoding="utf-8"?>
 <p:notes xmlns:a="http://schemas.openxmlformats.org/drawingml/2006/main" xmlns:r="http://schemas.openxmlformats.org/officeDocument/2006/relationships" xmlns:p="http://schemas.openxmlformats.org/presentationml/2006/main">
   <p:cSld>
     <p:spTree>
@@ -16772,845 +16693,6 @@
           </a:p>
         </p:txBody>
       </p:sp>
-      <p:graphicFrame>
-        <p:nvGraphicFramePr>
-          <p:cNvPr id="6" name="表格 5"/>
-          <p:cNvGraphicFramePr/>
-          <p:nvPr/>
-        </p:nvGraphicFramePr>
-        <p:xfrm>
-          <a:off x="1061085" y="104775"/>
-          <a:ext cx="7455535" cy="2269490"/>
-        </p:xfrm>
-        <a:graphic>
-          <a:graphicData uri="http://schemas.openxmlformats.org/drawingml/2006/table">
-            <a:tbl>
-              <a:tblPr firstRow="1" bandRow="1">
-                <a:tableStyleId>{5C22544A-7EE6-4342-B048-85BDC9FD1C3A}</a:tableStyleId>
-              </a:tblPr>
-              <a:tblGrid>
-                <a:gridCol w="2132965"/>
-                <a:gridCol w="3613785"/>
-                <a:gridCol w="1708785"/>
-              </a:tblGrid>
-              <a:tr h="630555">
-                <a:tc>
-                  <a:txBody>
-                    <a:bodyPr/>
-                    <a:lstStyle/>
-                    <a:p>
-                      <a:pPr>
-                        <a:buNone/>
-                      </a:pPr>
-                      <a:r>
-                        <a:rPr lang="zh-CN" altLang="en-US"/>
-                        <a:t>机场名称</a:t>
-                      </a:r>
-                      <a:endParaRPr lang="zh-CN" altLang="en-US"/>
-                    </a:p>
-                  </a:txBody>
-                  <a:tcPr/>
-                </a:tc>
-                <a:tc>
-                  <a:txBody>
-                    <a:bodyPr/>
-                    <a:lstStyle/>
-                    <a:p>
-                      <a:pPr>
-                        <a:buNone/>
-                      </a:pPr>
-                      <a:r>
-                        <a:rPr lang="zh-CN" altLang="en-US"/>
-                        <a:t>地址</a:t>
-                      </a:r>
-                      <a:endParaRPr lang="zh-CN" altLang="en-US"/>
-                    </a:p>
-                  </a:txBody>
-                  <a:tcPr/>
-                </a:tc>
-                <a:tc>
-                  <a:txBody>
-                    <a:bodyPr/>
-                    <a:lstStyle/>
-                    <a:p>
-                      <a:pPr>
-                        <a:buNone/>
-                      </a:pPr>
-                      <a:r>
-                        <a:rPr lang="zh-CN" altLang="en-US"/>
-                        <a:t>是否需要邮箱验证</a:t>
-                      </a:r>
-                      <a:endParaRPr lang="zh-CN" altLang="en-US"/>
-                    </a:p>
-                  </a:txBody>
-                  <a:tcPr/>
-                </a:tc>
-              </a:tr>
-              <a:tr h="365760">
-                <a:tc>
-                  <a:txBody>
-                    <a:bodyPr/>
-                    <a:lstStyle/>
-                    <a:p>
-                      <a:pPr>
-                        <a:buNone/>
-                      </a:pPr>
-                      <a:r>
-                        <a:rPr lang="zh-CN" altLang="en-US"/>
-                        <a:t>蘑菇云</a:t>
-                      </a:r>
-                      <a:endParaRPr lang="zh-CN" altLang="en-US"/>
-                    </a:p>
-                  </a:txBody>
-                  <a:tcPr/>
-                </a:tc>
-                <a:tc>
-                  <a:txBody>
-                    <a:bodyPr/>
-                    <a:lstStyle/>
-                    <a:p>
-                      <a:pPr>
-                        <a:buNone/>
-                      </a:pPr>
-                      <a:r>
-                        <a:rPr lang="zh-CN" altLang="en-US"/>
-                        <a:t>https://www.mgssr.fun/</a:t>
-                      </a:r>
-                      <a:endParaRPr lang="zh-CN" altLang="en-US"/>
-                    </a:p>
-                  </a:txBody>
-                  <a:tcPr/>
-                </a:tc>
-                <a:tc>
-                  <a:txBody>
-                    <a:bodyPr/>
-                    <a:lstStyle/>
-                    <a:p>
-                      <a:pPr>
-                        <a:buNone/>
-                      </a:pPr>
-                      <a:r>
-                        <a:rPr lang="zh-CN" altLang="en-US"/>
-                        <a:t>无</a:t>
-                      </a:r>
-                      <a:endParaRPr lang="zh-CN" altLang="en-US"/>
-                    </a:p>
-                  </a:txBody>
-                  <a:tcPr/>
-                </a:tc>
-              </a:tr>
-              <a:tr h="365760">
-                <a:tc>
-                  <a:txBody>
-                    <a:bodyPr/>
-                    <a:lstStyle/>
-                    <a:p>
-                      <a:pPr>
-                        <a:buNone/>
-                      </a:pPr>
-                      <a:r>
-                        <a:rPr lang="zh-CN" altLang="en-US" sz="1800">
-                          <a:sym typeface="+mn-ea"/>
-                        </a:rPr>
-                        <a:t>getfree</a:t>
-                      </a:r>
-                      <a:endParaRPr lang="zh-CN" altLang="en-US"/>
-                    </a:p>
-                  </a:txBody>
-                  <a:tcPr/>
-                </a:tc>
-                <a:tc>
-                  <a:txBody>
-                    <a:bodyPr/>
-                    <a:lstStyle/>
-                    <a:p>
-                      <a:pPr>
-                        <a:buNone/>
-                      </a:pPr>
-                      <a:r>
-                        <a:rPr lang="zh-CN" altLang="en-US"/>
-                        <a:t>https://getfree.one/auth/login</a:t>
-                      </a:r>
-                      <a:endParaRPr lang="zh-CN" altLang="en-US"/>
-                    </a:p>
-                  </a:txBody>
-                  <a:tcPr/>
-                </a:tc>
-                <a:tc>
-                  <a:txBody>
-                    <a:bodyPr/>
-                    <a:lstStyle/>
-                    <a:p>
-                      <a:pPr>
-                        <a:buNone/>
-                      </a:pPr>
-                      <a:r>
-                        <a:rPr lang="zh-CN" altLang="zh-CN"/>
-                        <a:t>有</a:t>
-                      </a:r>
-                      <a:endParaRPr lang="zh-CN" altLang="zh-CN"/>
-                    </a:p>
-                  </a:txBody>
-                  <a:tcPr/>
-                </a:tc>
-              </a:tr>
-              <a:tr h="541655">
-                <a:tc>
-                  <a:txBody>
-                    <a:bodyPr/>
-                    <a:lstStyle/>
-                    <a:p>
-                      <a:pPr>
-                        <a:buNone/>
-                      </a:pPr>
-                      <a:r>
-                        <a:rPr lang="zh-CN" altLang="en-US"/>
-                        <a:t>okssokss</a:t>
-                      </a:r>
-                      <a:endParaRPr lang="zh-CN" altLang="en-US"/>
-                    </a:p>
-                  </a:txBody>
-                  <a:tcPr/>
-                </a:tc>
-                <a:tc>
-                  <a:txBody>
-                    <a:bodyPr/>
-                    <a:lstStyle/>
-                    <a:p>
-                      <a:pPr>
-                        <a:buNone/>
-                      </a:pPr>
-                      <a:r>
-                        <a:rPr lang="zh-CN" altLang="en-US"/>
-                        <a:t>http://www.vwall.gq/auth/register</a:t>
-                      </a:r>
-                      <a:endParaRPr lang="zh-CN" altLang="en-US"/>
-                    </a:p>
-                  </a:txBody>
-                  <a:tcPr/>
-                </a:tc>
-                <a:tc>
-                  <a:txBody>
-                    <a:bodyPr/>
-                    <a:lstStyle/>
-                    <a:p>
-                      <a:pPr>
-                        <a:buNone/>
-                      </a:pPr>
-                      <a:r>
-                        <a:rPr lang="zh-CN" altLang="zh-CN"/>
-                        <a:t>有</a:t>
-                      </a:r>
-                      <a:r>
-                        <a:rPr lang="en-US" altLang="zh-CN"/>
-                        <a:t>(</a:t>
-                      </a:r>
-                      <a:r>
-                        <a:rPr lang="zh-CN" altLang="en-US"/>
-                        <a:t>不能使用临时邮箱</a:t>
-                      </a:r>
-                      <a:r>
-                        <a:rPr lang="en-US" altLang="zh-CN"/>
-                        <a:t>)</a:t>
-                      </a:r>
-                      <a:endParaRPr lang="en-US" altLang="zh-CN"/>
-                    </a:p>
-                  </a:txBody>
-                  <a:tcPr/>
-                </a:tc>
-              </a:tr>
-              <a:tr h="365760">
-                <a:tc>
-                  <a:txBody>
-                    <a:bodyPr/>
-                    <a:lstStyle/>
-                    <a:p>
-                      <a:pPr>
-                        <a:buNone/>
-                      </a:pPr>
-                      <a:r>
-                        <a:rPr lang="zh-CN" altLang="en-US"/>
-                        <a:t>芒果云</a:t>
-                      </a:r>
-                      <a:endParaRPr lang="zh-CN" altLang="en-US"/>
-                    </a:p>
-                  </a:txBody>
-                  <a:tcPr/>
-                </a:tc>
-                <a:tc>
-                  <a:txBody>
-                    <a:bodyPr/>
-                    <a:lstStyle/>
-                    <a:p>
-                      <a:pPr>
-                        <a:buNone/>
-                      </a:pPr>
-                      <a:r>
-                        <a:rPr lang="zh-CN" altLang="en-US"/>
-                        <a:t>http://www.mangocloud.xyz/</a:t>
-                      </a:r>
-                      <a:endParaRPr lang="zh-CN" altLang="en-US"/>
-                    </a:p>
-                  </a:txBody>
-                  <a:tcPr/>
-                </a:tc>
-                <a:tc>
-                  <a:txBody>
-                    <a:bodyPr/>
-                    <a:lstStyle/>
-                    <a:p>
-                      <a:pPr>
-                        <a:buNone/>
-                      </a:pPr>
-                      <a:r>
-                        <a:rPr lang="zh-CN" altLang="en-US"/>
-                        <a:t>有 </a:t>
-                      </a:r>
-                      <a:endParaRPr lang="zh-CN" altLang="en-US"/>
-                    </a:p>
-                  </a:txBody>
-                  <a:tcPr/>
-                </a:tc>
-              </a:tr>
-            </a:tbl>
-          </a:graphicData>
-        </a:graphic>
-      </p:graphicFrame>
-      <p:pic>
-        <p:nvPicPr>
-          <p:cNvPr id="2" name="图片 1"/>
-          <p:cNvPicPr>
-            <a:picLocks noChangeAspect="1"/>
-          </p:cNvPicPr>
-          <p:nvPr/>
-        </p:nvPicPr>
-        <p:blipFill>
-          <a:blip r:embed="rId2"/>
-          <a:stretch>
-            <a:fillRect/>
-          </a:stretch>
-        </p:blipFill>
-        <p:spPr>
-          <a:xfrm>
-            <a:off x="2191385" y="3022600"/>
-            <a:ext cx="733425" cy="638175"/>
-          </a:xfrm>
-          <a:prstGeom prst="rect">
-            <a:avLst/>
-          </a:prstGeom>
-        </p:spPr>
-      </p:pic>
-      <p:pic>
-        <p:nvPicPr>
-          <p:cNvPr id="4" name="图片 3"/>
-          <p:cNvPicPr>
-            <a:picLocks noChangeAspect="1"/>
-          </p:cNvPicPr>
-          <p:nvPr/>
-        </p:nvPicPr>
-        <p:blipFill>
-          <a:blip r:embed="rId3"/>
-          <a:stretch>
-            <a:fillRect/>
-          </a:stretch>
-        </p:blipFill>
-        <p:spPr>
-          <a:xfrm>
-            <a:off x="4725035" y="2727960"/>
-            <a:ext cx="3667125" cy="2189480"/>
-          </a:xfrm>
-          <a:prstGeom prst="rect">
-            <a:avLst/>
-          </a:prstGeom>
-        </p:spPr>
-      </p:pic>
-    </p:spTree>
-  </p:cSld>
-  <p:clrMapOvr>
-    <a:masterClrMapping/>
-  </p:clrMapOvr>
-  <mc:AlternateContent xmlns:mc="http://schemas.openxmlformats.org/markup-compatibility/2006">
-    <mc:Choice xmlns:p14="http://schemas.microsoft.com/office/powerpoint/2010/main" Requires="p14">
-      <p:transition spd="med" p14:dur="700">
-        <p:fade/>
-      </p:transition>
-    </mc:Choice>
-    <mc:Fallback>
-      <p:transition spd="med">
-        <p:fade/>
-      </p:transition>
-    </mc:Fallback>
-  </mc:AlternateContent>
-  <p:timing>
-    <p:tnLst>
-      <p:par>
-        <p:cTn id="1" dur="indefinite" restart="never" nodeType="tmRoot">
-          <p:childTnLst>
-            <p:seq concurrent="1" nextAc="seek">
-              <p:cTn id="2" dur="indefinite" nodeType="mainSeq">
-                <p:childTnLst>
-                  <p:par>
-                    <p:cTn id="3" fill="hold">
-                      <p:stCondLst>
-                        <p:cond delay="indefinite"/>
-                        <p:cond evt="onBegin" delay="0">
-                          <p:tn val="2"/>
-                        </p:cond>
-                      </p:stCondLst>
-                      <p:childTnLst>
-                        <p:par>
-                          <p:cTn id="4" fill="hold">
-                            <p:stCondLst>
-                              <p:cond delay="0"/>
-                            </p:stCondLst>
-                            <p:childTnLst>
-                              <p:par>
-                                <p:cTn id="5" presetID="18" presetClass="entr" presetSubtype="12" fill="hold" nodeType="afterEffect">
-                                  <p:stCondLst>
-                                    <p:cond delay="0"/>
-                                  </p:stCondLst>
-                                  <p:childTnLst>
-                                    <p:set>
-                                      <p:cBhvr>
-                                        <p:cTn id="6" dur="1" fill="hold">
-                                          <p:stCondLst>
-                                            <p:cond delay="0"/>
-                                          </p:stCondLst>
-                                        </p:cTn>
-                                        <p:tgtEl>
-                                          <p:spTgt spid="74"/>
-                                        </p:tgtEl>
-                                        <p:attrNameLst>
-                                          <p:attrName>style.visibility</p:attrName>
-                                        </p:attrNameLst>
-                                      </p:cBhvr>
-                                      <p:to>
-                                        <p:strVal val="visible"/>
-                                      </p:to>
-                                    </p:set>
-                                    <p:animEffect transition="in" filter="strips(downLeft)">
-                                      <p:cBhvr>
-                                        <p:cTn id="7" dur="500"/>
-                                        <p:tgtEl>
-                                          <p:spTgt spid="74"/>
-                                        </p:tgtEl>
-                                      </p:cBhvr>
-                                    </p:animEffect>
-                                  </p:childTnLst>
-                                </p:cTn>
-                              </p:par>
-                            </p:childTnLst>
-                          </p:cTn>
-                        </p:par>
-                      </p:childTnLst>
-                    </p:cTn>
-                  </p:par>
-                </p:childTnLst>
-              </p:cTn>
-              <p:prevCondLst>
-                <p:cond evt="onPrev" delay="0">
-                  <p:tgtEl>
-                    <p:sldTgt/>
-                  </p:tgtEl>
-                </p:cond>
-              </p:prevCondLst>
-              <p:nextCondLst>
-                <p:cond evt="onNext" delay="0">
-                  <p:tgtEl>
-                    <p:sldTgt/>
-                  </p:tgtEl>
-                </p:cond>
-              </p:nextCondLst>
-            </p:seq>
-          </p:childTnLst>
-        </p:cTn>
-      </p:par>
-    </p:tnLst>
-  </p:timing>
-</p:sld>
-</file>
-
-<file path=ppt/slides/slide11.xml><?xml version="1.0" encoding="utf-8"?>
-<p:sld xmlns:a="http://schemas.openxmlformats.org/drawingml/2006/main" xmlns:r="http://schemas.openxmlformats.org/officeDocument/2006/relationships" xmlns:p="http://schemas.openxmlformats.org/presentationml/2006/main">
-  <p:cSld>
-    <p:spTree>
-      <p:nvGrpSpPr>
-        <p:cNvPr id="1" name=""/>
-        <p:cNvGrpSpPr/>
-        <p:nvPr/>
-      </p:nvGrpSpPr>
-      <p:grpSpPr>
-        <a:xfrm>
-          <a:off x="0" y="0"/>
-          <a:ext cx="0" cy="0"/>
-          <a:chOff x="0" y="0"/>
-          <a:chExt cx="0" cy="0"/>
-        </a:xfrm>
-      </p:grpSpPr>
-      <p:sp>
-        <p:nvSpPr>
-          <p:cNvPr id="66" name="矩形 65"/>
-          <p:cNvSpPr/>
-          <p:nvPr/>
-        </p:nvSpPr>
-        <p:spPr>
-          <a:xfrm>
-            <a:off x="0" y="5023291"/>
-            <a:ext cx="9144000" cy="100719"/>
-          </a:xfrm>
-          <a:prstGeom prst="rect">
-            <a:avLst/>
-          </a:prstGeom>
-          <a:solidFill>
-            <a:srgbClr val="0089D2"/>
-          </a:solidFill>
-          <a:ln>
-            <a:noFill/>
-          </a:ln>
-        </p:spPr>
-        <p:style>
-          <a:lnRef idx="2">
-            <a:schemeClr val="accent1">
-              <a:shade val="50000"/>
-            </a:schemeClr>
-          </a:lnRef>
-          <a:fillRef idx="1">
-            <a:schemeClr val="accent1"/>
-          </a:fillRef>
-          <a:effectRef idx="0">
-            <a:schemeClr val="accent1"/>
-          </a:effectRef>
-          <a:fontRef idx="minor">
-            <a:schemeClr val="lt1"/>
-          </a:fontRef>
-        </p:style>
-        <p:txBody>
-          <a:bodyPr rtlCol="0" anchor="ctr"/>
-          <a:lstStyle/>
-          <a:p>
-            <a:pPr algn="ctr"/>
-            <a:endParaRPr lang="zh-CN" altLang="en-US">
-              <a:latin typeface="Arial" panose="020B0604020202020204" pitchFamily="34" charset="0"/>
-              <a:ea typeface="微软雅黑" panose="020B0503020204020204" pitchFamily="34" charset="-122"/>
-              <a:sym typeface="Arial" panose="020B0604020202020204" pitchFamily="34" charset="0"/>
-            </a:endParaRPr>
-          </a:p>
-        </p:txBody>
-      </p:sp>
-      <p:pic>
-        <p:nvPicPr>
-          <p:cNvPr id="74" name="Picture 172"/>
-          <p:cNvPicPr>
-            <a:picLocks noChangeAspect="1" noChangeArrowheads="1"/>
-          </p:cNvPicPr>
-          <p:nvPr/>
-        </p:nvPicPr>
-        <p:blipFill>
-          <a:blip r:embed="rId1" cstate="print">
-            <a:clrChange>
-              <a:clrFrom>
-                <a:srgbClr val="FFFFFF"/>
-              </a:clrFrom>
-              <a:clrTo>
-                <a:srgbClr val="FFFFFF">
-                  <a:alpha val="0"/>
-                </a:srgbClr>
-              </a:clrTo>
-            </a:clrChange>
-            <a:extLst>
-              <a:ext uri="{28A0092B-C50C-407E-A947-70E740481C1C}">
-                <a14:useLocalDpi xmlns:a14="http://schemas.microsoft.com/office/drawing/2010/main" val="0"/>
-              </a:ext>
-            </a:extLst>
-          </a:blip>
-          <a:srcRect/>
-          <a:stretch>
-            <a:fillRect/>
-          </a:stretch>
-        </p:blipFill>
-        <p:spPr bwMode="auto">
-          <a:xfrm>
-            <a:off x="7447280" y="95902"/>
-            <a:ext cx="1655184" cy="689372"/>
-          </a:xfrm>
-          <a:prstGeom prst="rect">
-            <a:avLst/>
-          </a:prstGeom>
-          <a:noFill/>
-          <a:ln>
-            <a:noFill/>
-          </a:ln>
-          <a:effectLst/>
-          <a:extLst>
-            <a:ext uri="{909E8E84-426E-40DD-AFC4-6F175D3DCCD1}">
-              <a14:hiddenFill xmlns:a14="http://schemas.microsoft.com/office/drawing/2010/main">
-                <a:solidFill>
-                  <a:schemeClr val="accent1"/>
-                </a:solidFill>
-              </a14:hiddenFill>
-            </a:ext>
-            <a:ext uri="{91240B29-F687-4F45-9708-019B960494DF}">
-              <a14:hiddenLine xmlns:a14="http://schemas.microsoft.com/office/drawing/2010/main" w="9525">
-                <a:solidFill>
-                  <a:schemeClr val="tx1"/>
-                </a:solidFill>
-                <a:miter lim="800000"/>
-                <a:headEnd/>
-                <a:tailEnd/>
-              </a14:hiddenLine>
-            </a:ext>
-            <a:ext uri="{AF507438-7753-43E0-B8FC-AC1667EBCBE1}">
-              <a14:hiddenEffects xmlns:a14="http://schemas.microsoft.com/office/drawing/2010/main">
-                <a:effectLst>
-                  <a:outerShdw dist="35921" dir="2700000" algn="ctr" rotWithShape="0">
-                    <a:schemeClr val="bg2"/>
-                  </a:outerShdw>
-                </a:effectLst>
-              </a14:hiddenEffects>
-            </a:ext>
-          </a:extLst>
-        </p:spPr>
-      </p:pic>
-      <p:sp>
-        <p:nvSpPr>
-          <p:cNvPr id="67" name="直角三角形 72"/>
-          <p:cNvSpPr>
-            <a:spLocks noChangeArrowheads="1"/>
-          </p:cNvSpPr>
-          <p:nvPr/>
-        </p:nvSpPr>
-        <p:spPr bwMode="auto">
-          <a:xfrm rot="5400000">
-            <a:off x="-793" y="-2382"/>
-            <a:ext cx="889000" cy="893763"/>
-          </a:xfrm>
-          <a:prstGeom prst="rtTriangle">
-            <a:avLst/>
-          </a:prstGeom>
-          <a:solidFill>
-            <a:srgbClr val="EE403F"/>
-          </a:solidFill>
-          <a:ln>
-            <a:noFill/>
-          </a:ln>
-          <a:extLst>
-            <a:ext uri="{91240B29-F687-4F45-9708-019B960494DF}">
-              <a14:hiddenLine xmlns:a14="http://schemas.microsoft.com/office/drawing/2010/main" w="9525">
-                <a:solidFill>
-                  <a:srgbClr val="000000"/>
-                </a:solidFill>
-                <a:miter lim="800000"/>
-                <a:headEnd/>
-                <a:tailEnd/>
-              </a14:hiddenLine>
-            </a:ext>
-          </a:extLst>
-        </p:spPr>
-        <p:txBody>
-          <a:bodyPr anchor="ctr"/>
-          <a:lstStyle/>
-          <a:p>
-            <a:pPr algn="ctr" defTabSz="685800" fontAlgn="base">
-              <a:spcBef>
-                <a:spcPct val="0"/>
-              </a:spcBef>
-              <a:spcAft>
-                <a:spcPct val="0"/>
-              </a:spcAft>
-              <a:buFont typeface="Arial" panose="020B0604020202020204" pitchFamily="34" charset="0"/>
-              <a:buNone/>
-            </a:pPr>
-            <a:endParaRPr lang="zh-CN" altLang="zh-CN" sz="1300">
-              <a:solidFill>
-                <a:srgbClr val="FFFFFF"/>
-              </a:solidFill>
-              <a:latin typeface="Arial" panose="020B0604020202020204" pitchFamily="34" charset="0"/>
-              <a:ea typeface="微软雅黑" panose="020B0503020204020204" pitchFamily="34" charset="-122"/>
-              <a:sym typeface="Arial" panose="020B0604020202020204" pitchFamily="34" charset="0"/>
-            </a:endParaRPr>
-          </a:p>
-        </p:txBody>
-      </p:sp>
-      <p:sp>
-        <p:nvSpPr>
-          <p:cNvPr id="68" name="直角三角形 73"/>
-          <p:cNvSpPr>
-            <a:spLocks noChangeArrowheads="1"/>
-          </p:cNvSpPr>
-          <p:nvPr/>
-        </p:nvSpPr>
-        <p:spPr bwMode="auto">
-          <a:xfrm rot="5400000">
-            <a:off x="0" y="0"/>
-            <a:ext cx="730250" cy="730250"/>
-          </a:xfrm>
-          <a:prstGeom prst="rtTriangle">
-            <a:avLst/>
-          </a:prstGeom>
-          <a:solidFill>
-            <a:srgbClr val="FF6600"/>
-          </a:solidFill>
-          <a:ln>
-            <a:noFill/>
-          </a:ln>
-          <a:extLst>
-            <a:ext uri="{91240B29-F687-4F45-9708-019B960494DF}">
-              <a14:hiddenLine xmlns:a14="http://schemas.microsoft.com/office/drawing/2010/main" w="9525">
-                <a:solidFill>
-                  <a:srgbClr val="000000"/>
-                </a:solidFill>
-                <a:miter lim="800000"/>
-                <a:headEnd/>
-                <a:tailEnd/>
-              </a14:hiddenLine>
-            </a:ext>
-          </a:extLst>
-        </p:spPr>
-        <p:txBody>
-          <a:bodyPr anchor="ctr"/>
-          <a:lstStyle/>
-          <a:p>
-            <a:pPr algn="ctr" defTabSz="685800" fontAlgn="base">
-              <a:spcBef>
-                <a:spcPct val="0"/>
-              </a:spcBef>
-              <a:spcAft>
-                <a:spcPct val="0"/>
-              </a:spcAft>
-              <a:buFont typeface="Arial" panose="020B0604020202020204" pitchFamily="34" charset="0"/>
-              <a:buNone/>
-            </a:pPr>
-            <a:endParaRPr lang="zh-CN" altLang="zh-CN" sz="1300">
-              <a:solidFill>
-                <a:srgbClr val="FFFFFF"/>
-              </a:solidFill>
-              <a:latin typeface="Arial" panose="020B0604020202020204" pitchFamily="34" charset="0"/>
-              <a:ea typeface="微软雅黑" panose="020B0503020204020204" pitchFamily="34" charset="-122"/>
-              <a:sym typeface="Arial" panose="020B0604020202020204" pitchFamily="34" charset="0"/>
-            </a:endParaRPr>
-          </a:p>
-        </p:txBody>
-      </p:sp>
-      <p:sp>
-        <p:nvSpPr>
-          <p:cNvPr id="69" name="直角三角形 74"/>
-          <p:cNvSpPr>
-            <a:spLocks noChangeArrowheads="1"/>
-          </p:cNvSpPr>
-          <p:nvPr/>
-        </p:nvSpPr>
-        <p:spPr bwMode="auto">
-          <a:xfrm rot="5400000">
-            <a:off x="104775" y="104775"/>
-            <a:ext cx="525463" cy="525463"/>
-          </a:xfrm>
-          <a:prstGeom prst="rtTriangle">
-            <a:avLst/>
-          </a:prstGeom>
-          <a:solidFill>
-            <a:srgbClr val="FBB614"/>
-          </a:solidFill>
-          <a:ln>
-            <a:noFill/>
-          </a:ln>
-          <a:extLst>
-            <a:ext uri="{91240B29-F687-4F45-9708-019B960494DF}">
-              <a14:hiddenLine xmlns:a14="http://schemas.microsoft.com/office/drawing/2010/main" w="9525">
-                <a:solidFill>
-                  <a:srgbClr val="000000"/>
-                </a:solidFill>
-                <a:miter lim="800000"/>
-                <a:headEnd/>
-                <a:tailEnd/>
-              </a14:hiddenLine>
-            </a:ext>
-          </a:extLst>
-        </p:spPr>
-        <p:txBody>
-          <a:bodyPr anchor="ctr"/>
-          <a:lstStyle/>
-          <a:p>
-            <a:pPr algn="ctr" defTabSz="685800" fontAlgn="base">
-              <a:spcBef>
-                <a:spcPct val="0"/>
-              </a:spcBef>
-              <a:spcAft>
-                <a:spcPct val="0"/>
-              </a:spcAft>
-              <a:buFont typeface="Arial" panose="020B0604020202020204" pitchFamily="34" charset="0"/>
-              <a:buNone/>
-            </a:pPr>
-            <a:endParaRPr lang="zh-CN" altLang="zh-CN" sz="1300">
-              <a:solidFill>
-                <a:srgbClr val="FFFFFF"/>
-              </a:solidFill>
-              <a:latin typeface="Arial" panose="020B0604020202020204" pitchFamily="34" charset="0"/>
-              <a:ea typeface="微软雅黑" panose="020B0503020204020204" pitchFamily="34" charset="-122"/>
-              <a:sym typeface="Arial" panose="020B0604020202020204" pitchFamily="34" charset="0"/>
-            </a:endParaRPr>
-          </a:p>
-        </p:txBody>
-      </p:sp>
-      <p:sp>
-        <p:nvSpPr>
-          <p:cNvPr id="70" name="矩形 75"/>
-          <p:cNvSpPr>
-            <a:spLocks noChangeArrowheads="1"/>
-          </p:cNvSpPr>
-          <p:nvPr/>
-        </p:nvSpPr>
-        <p:spPr bwMode="auto">
-          <a:xfrm rot="2700000">
-            <a:off x="350044" y="29369"/>
-            <a:ext cx="112713" cy="746125"/>
-          </a:xfrm>
-          <a:prstGeom prst="rect">
-            <a:avLst/>
-          </a:prstGeom>
-          <a:solidFill>
-            <a:srgbClr val="E7A200"/>
-          </a:solidFill>
-          <a:ln>
-            <a:noFill/>
-          </a:ln>
-          <a:extLst>
-            <a:ext uri="{91240B29-F687-4F45-9708-019B960494DF}">
-              <a14:hiddenLine xmlns:a14="http://schemas.microsoft.com/office/drawing/2010/main" w="9525">
-                <a:solidFill>
-                  <a:srgbClr val="000000"/>
-                </a:solidFill>
-                <a:miter lim="800000"/>
-                <a:headEnd/>
-                <a:tailEnd/>
-              </a14:hiddenLine>
-            </a:ext>
-          </a:extLst>
-        </p:spPr>
-        <p:txBody>
-          <a:bodyPr anchor="ctr"/>
-          <a:lstStyle/>
-          <a:p>
-            <a:pPr algn="ctr" defTabSz="685800" fontAlgn="base">
-              <a:spcBef>
-                <a:spcPct val="0"/>
-              </a:spcBef>
-              <a:spcAft>
-                <a:spcPct val="0"/>
-              </a:spcAft>
-              <a:buFont typeface="Arial" panose="020B0604020202020204" pitchFamily="34" charset="0"/>
-              <a:buNone/>
-            </a:pPr>
-            <a:endParaRPr lang="zh-CN" altLang="zh-CN" sz="1300">
-              <a:solidFill>
-                <a:srgbClr val="FFFFFF"/>
-              </a:solidFill>
-              <a:latin typeface="Arial" panose="020B0604020202020204" pitchFamily="34" charset="0"/>
-              <a:ea typeface="微软雅黑" panose="020B0503020204020204" pitchFamily="34" charset="-122"/>
-              <a:sym typeface="Arial" panose="020B0604020202020204" pitchFamily="34" charset="0"/>
-            </a:endParaRPr>
-          </a:p>
-        </p:txBody>
-      </p:sp>
       <p:pic>
         <p:nvPicPr>
           <p:cNvPr id="5" name="图片 4"/>
@@ -17741,7 +16823,7 @@
 </p:sld>
 </file>
 
-<file path=ppt/slides/slide12.xml><?xml version="1.0" encoding="utf-8"?>
+<file path=ppt/slides/slide11.xml><?xml version="1.0" encoding="utf-8"?>
 <p:sld xmlns:a="http://schemas.openxmlformats.org/drawingml/2006/main" xmlns:r="http://schemas.openxmlformats.org/officeDocument/2006/relationships" xmlns:p="http://schemas.openxmlformats.org/presentationml/2006/main">
   <p:cSld>
     <p:spTree>
@@ -18252,7 +17334,7 @@
 </p:sld>
 </file>
 
-<file path=ppt/slides/slide13.xml><?xml version="1.0" encoding="utf-8"?>
+<file path=ppt/slides/slide12.xml><?xml version="1.0" encoding="utf-8"?>
 <p:sld xmlns:a="http://schemas.openxmlformats.org/drawingml/2006/main" xmlns:r="http://schemas.openxmlformats.org/officeDocument/2006/relationships" xmlns:p="http://schemas.openxmlformats.org/presentationml/2006/main">
   <p:cSld>
     <p:spTree>
@@ -18763,7 +17845,7 @@
 </p:sld>
 </file>
 
-<file path=ppt/slides/slide14.xml><?xml version="1.0" encoding="utf-8"?>
+<file path=ppt/slides/slide13.xml><?xml version="1.0" encoding="utf-8"?>
 <p:sld xmlns:a="http://schemas.openxmlformats.org/drawingml/2006/main" xmlns:r="http://schemas.openxmlformats.org/officeDocument/2006/relationships" xmlns:p="http://schemas.openxmlformats.org/presentationml/2006/main">
   <p:cSld>
     <p:spTree>
@@ -19490,7 +18572,7 @@
 </p:sld>
 </file>
 
-<file path=ppt/slides/slide15.xml><?xml version="1.0" encoding="utf-8"?>
+<file path=ppt/slides/slide14.xml><?xml version="1.0" encoding="utf-8"?>
 <p:sld xmlns:a="http://schemas.openxmlformats.org/drawingml/2006/main" xmlns:r="http://schemas.openxmlformats.org/officeDocument/2006/relationships" xmlns:p="http://schemas.openxmlformats.org/presentationml/2006/main">
   <p:cSld>
     <p:spTree>
@@ -20067,7 +19149,7 @@
 </p:sld>
 </file>
 
-<file path=ppt/slides/slide16.xml><?xml version="1.0" encoding="utf-8"?>
+<file path=ppt/slides/slide15.xml><?xml version="1.0" encoding="utf-8"?>
 <p:sld xmlns:a="http://schemas.openxmlformats.org/drawingml/2006/main" xmlns:r="http://schemas.openxmlformats.org/officeDocument/2006/relationships" xmlns:p="http://schemas.openxmlformats.org/presentationml/2006/main">
   <p:cSld>
     <p:spTree>
@@ -32223,118 +31305,6 @@
                         <a:buNone/>
                       </a:pPr>
                       <a:r>
-                        <a:rPr lang="en-US" altLang="zh-CN"/>
-                        <a:t>VI</a:t>
-                      </a:r>
-                      <a:r>
-                        <a:rPr lang="zh-CN" altLang="en-US"/>
-                        <a:t>云</a:t>
-                      </a:r>
-                      <a:endParaRPr lang="zh-CN" altLang="en-US"/>
-                    </a:p>
-                  </a:txBody>
-                  <a:tcPr/>
-                </a:tc>
-                <a:tc>
-                  <a:txBody>
-                    <a:bodyPr/>
-                    <a:lstStyle/>
-                    <a:p>
-                      <a:pPr>
-                        <a:buNone/>
-                      </a:pPr>
-                      <a:r>
-                        <a:rPr lang="zh-CN" altLang="en-US"/>
-                        <a:t>https://www.viyun.top/</a:t>
-                      </a:r>
-                      <a:endParaRPr lang="zh-CN" altLang="en-US"/>
-                    </a:p>
-                  </a:txBody>
-                  <a:tcPr/>
-                </a:tc>
-                <a:tc>
-                  <a:txBody>
-                    <a:bodyPr/>
-                    <a:lstStyle/>
-                    <a:p>
-                      <a:pPr>
-                        <a:buNone/>
-                      </a:pPr>
-                      <a:r>
-                        <a:rPr lang="zh-CN" altLang="en-US"/>
-                        <a:t>无</a:t>
-                      </a:r>
-                      <a:endParaRPr lang="zh-CN" altLang="en-US"/>
-                    </a:p>
-                  </a:txBody>
-                  <a:tcPr/>
-                </a:tc>
-              </a:tr>
-              <a:tr h="368300">
-                <a:tc>
-                  <a:txBody>
-                    <a:bodyPr/>
-                    <a:lstStyle/>
-                    <a:p>
-                      <a:pPr>
-                        <a:buNone/>
-                      </a:pPr>
-                      <a:r>
-                        <a:rPr lang="zh-CN" altLang="en-US" sz="1800">
-                          <a:sym typeface="+mn-ea"/>
-                        </a:rPr>
-                        <a:t>suncloud</a:t>
-                      </a:r>
-                      <a:endParaRPr lang="zh-CN" altLang="en-US"/>
-                    </a:p>
-                  </a:txBody>
-                  <a:tcPr/>
-                </a:tc>
-                <a:tc>
-                  <a:txBody>
-                    <a:bodyPr/>
-                    <a:lstStyle/>
-                    <a:p>
-                      <a:pPr>
-                        <a:buNone/>
-                      </a:pPr>
-                      <a:r>
-                        <a:rPr lang="zh-CN" altLang="en-US"/>
-                        <a:t>https://www.suncloud.club/</a:t>
-                      </a:r>
-                      <a:endParaRPr lang="zh-CN" altLang="en-US"/>
-                    </a:p>
-                  </a:txBody>
-                  <a:tcPr/>
-                </a:tc>
-                <a:tc>
-                  <a:txBody>
-                    <a:bodyPr/>
-                    <a:lstStyle/>
-                    <a:p>
-                      <a:pPr>
-                        <a:buNone/>
-                      </a:pPr>
-                      <a:r>
-                        <a:rPr lang="zh-CN" altLang="en-US"/>
-                        <a:t>有 </a:t>
-                      </a:r>
-                      <a:endParaRPr lang="zh-CN" altLang="en-US"/>
-                    </a:p>
-                  </a:txBody>
-                  <a:tcPr/>
-                </a:tc>
-              </a:tr>
-              <a:tr h="368300">
-                <a:tc>
-                  <a:txBody>
-                    <a:bodyPr/>
-                    <a:lstStyle/>
-                    <a:p>
-                      <a:pPr>
-                        <a:buNone/>
-                      </a:pPr>
-                      <a:r>
                         <a:rPr lang="zh-CN" altLang="en-US"/>
                         <a:t>ZCSSR</a:t>
                       </a:r>
@@ -32354,328 +31324,6 @@
                       <a:r>
                         <a:rPr lang="zh-CN" altLang="en-US"/>
                         <a:t>https://github.com/ZCSSR/url</a:t>
-                      </a:r>
-                      <a:endParaRPr lang="zh-CN" altLang="en-US"/>
-                    </a:p>
-                  </a:txBody>
-                  <a:tcPr/>
-                </a:tc>
-                <a:tc>
-                  <a:txBody>
-                    <a:bodyPr/>
-                    <a:lstStyle/>
-                    <a:p>
-                      <a:pPr>
-                        <a:buNone/>
-                      </a:pPr>
-                      <a:r>
-                        <a:rPr lang="zh-CN" altLang="en-US"/>
-                        <a:t>无</a:t>
-                      </a:r>
-                      <a:endParaRPr lang="zh-CN" altLang="en-US"/>
-                    </a:p>
-                  </a:txBody>
-                  <a:tcPr/>
-                </a:tc>
-              </a:tr>
-              <a:tr h="368935">
-                <a:tc>
-                  <a:txBody>
-                    <a:bodyPr/>
-                    <a:lstStyle/>
-                    <a:p>
-                      <a:pPr>
-                        <a:buNone/>
-                      </a:pPr>
-                      <a:r>
-                        <a:rPr lang="zh-CN" altLang="en-US"/>
-                        <a:t>极简</a:t>
-                      </a:r>
-                      <a:r>
-                        <a:rPr lang="en-US" altLang="zh-CN"/>
-                        <a:t>VPN</a:t>
-                      </a:r>
-                      <a:endParaRPr lang="en-US" altLang="zh-CN"/>
-                    </a:p>
-                  </a:txBody>
-                  <a:tcPr/>
-                </a:tc>
-                <a:tc>
-                  <a:txBody>
-                    <a:bodyPr/>
-                    <a:lstStyle/>
-                    <a:p>
-                      <a:pPr>
-                        <a:buNone/>
-                      </a:pPr>
-                      <a:r>
-                        <a:rPr lang="zh-CN" altLang="en-US"/>
-                        <a:t>https://www.jssr.cc/</a:t>
-                      </a:r>
-                      <a:endParaRPr lang="zh-CN" altLang="en-US"/>
-                    </a:p>
-                  </a:txBody>
-                  <a:tcPr/>
-                </a:tc>
-                <a:tc>
-                  <a:txBody>
-                    <a:bodyPr/>
-                    <a:lstStyle/>
-                    <a:p>
-                      <a:pPr>
-                        <a:buNone/>
-                      </a:pPr>
-                      <a:r>
-                        <a:rPr lang="zh-CN" altLang="en-US"/>
-                        <a:t>无</a:t>
-                      </a:r>
-                      <a:endParaRPr lang="zh-CN" altLang="en-US"/>
-                    </a:p>
-                  </a:txBody>
-                  <a:tcPr/>
-                </a:tc>
-              </a:tr>
-              <a:tr h="368300">
-                <a:tc>
-                  <a:txBody>
-                    <a:bodyPr/>
-                    <a:lstStyle/>
-                    <a:p>
-                      <a:pPr>
-                        <a:buNone/>
-                      </a:pPr>
-                      <a:r>
-                        <a:rPr lang="zh-CN" altLang="en-US"/>
-                        <a:t>萌新加速器</a:t>
-                      </a:r>
-                      <a:endParaRPr lang="zh-CN" altLang="en-US"/>
-                    </a:p>
-                  </a:txBody>
-                  <a:tcPr/>
-                </a:tc>
-                <a:tc>
-                  <a:txBody>
-                    <a:bodyPr/>
-                    <a:lstStyle/>
-                    <a:p>
-                      <a:pPr>
-                        <a:buNone/>
-                      </a:pPr>
-                      <a:r>
-                        <a:rPr lang="zh-CN" altLang="en-US"/>
-                        <a:t>https://www.mxvpn.top/</a:t>
-                      </a:r>
-                      <a:endParaRPr lang="zh-CN" altLang="en-US"/>
-                    </a:p>
-                  </a:txBody>
-                  <a:tcPr/>
-                </a:tc>
-                <a:tc>
-                  <a:txBody>
-                    <a:bodyPr/>
-                    <a:lstStyle/>
-                    <a:p>
-                      <a:pPr>
-                        <a:buNone/>
-                      </a:pPr>
-                      <a:r>
-                        <a:rPr lang="zh-CN" altLang="en-US"/>
-                        <a:t>无</a:t>
-                      </a:r>
-                      <a:endParaRPr lang="zh-CN" altLang="en-US"/>
-                    </a:p>
-                  </a:txBody>
-                  <a:tcPr/>
-                </a:tc>
-              </a:tr>
-              <a:tr h="393700">
-                <a:tc>
-                  <a:txBody>
-                    <a:bodyPr/>
-                    <a:lstStyle/>
-                    <a:p>
-                      <a:pPr>
-                        <a:buNone/>
-                      </a:pPr>
-                      <a:r>
-                        <a:rPr lang="zh-CN" altLang="en-US"/>
-                        <a:t>简云</a:t>
-                      </a:r>
-                      <a:endParaRPr lang="en-US" altLang="zh-CN"/>
-                    </a:p>
-                  </a:txBody>
-                  <a:tcPr/>
-                </a:tc>
-                <a:tc>
-                  <a:txBody>
-                    <a:bodyPr/>
-                    <a:lstStyle/>
-                    <a:p>
-                      <a:pPr>
-                        <a:buNone/>
-                      </a:pPr>
-                      <a:r>
-                        <a:rPr lang="zh-CN" altLang="en-US"/>
-                        <a:t>https://www.mengmianhou.com/</a:t>
-                      </a:r>
-                      <a:endParaRPr lang="zh-CN" altLang="en-US"/>
-                    </a:p>
-                  </a:txBody>
-                  <a:tcPr/>
-                </a:tc>
-                <a:tc>
-                  <a:txBody>
-                    <a:bodyPr/>
-                    <a:lstStyle/>
-                    <a:p>
-                      <a:pPr>
-                        <a:buNone/>
-                      </a:pPr>
-                      <a:r>
-                        <a:rPr lang="zh-CN" altLang="en-US"/>
-                        <a:t>无</a:t>
-                      </a:r>
-                      <a:endParaRPr lang="zh-CN" altLang="en-US"/>
-                    </a:p>
-                  </a:txBody>
-                  <a:tcPr/>
-                </a:tc>
-              </a:tr>
-              <a:tr h="368300">
-                <a:tc>
-                  <a:txBody>
-                    <a:bodyPr/>
-                    <a:lstStyle/>
-                    <a:p>
-                      <a:pPr>
-                        <a:buNone/>
-                      </a:pPr>
-                      <a:r>
-                        <a:rPr lang="zh-CN" altLang="en-US"/>
-                        <a:t>几鸡</a:t>
-                      </a:r>
-                      <a:endParaRPr lang="zh-CN" altLang="en-US"/>
-                    </a:p>
-                  </a:txBody>
-                  <a:tcPr/>
-                </a:tc>
-                <a:tc>
-                  <a:txBody>
-                    <a:bodyPr/>
-                    <a:lstStyle/>
-                    <a:p>
-                      <a:pPr>
-                        <a:buNone/>
-                      </a:pPr>
-                      <a:r>
-                        <a:rPr lang="zh-CN" altLang="en-US"/>
-                        <a:t>https://jiji.world/signin</a:t>
-                      </a:r>
-                      <a:endParaRPr lang="zh-CN" altLang="en-US"/>
-                    </a:p>
-                  </a:txBody>
-                  <a:tcPr/>
-                </a:tc>
-                <a:tc>
-                  <a:txBody>
-                    <a:bodyPr/>
-                    <a:lstStyle/>
-                    <a:p>
-                      <a:pPr>
-                        <a:buNone/>
-                      </a:pPr>
-                      <a:r>
-                        <a:rPr lang="zh-CN" altLang="en-US"/>
-                        <a:t>无</a:t>
-                      </a:r>
-                      <a:endParaRPr lang="zh-CN" altLang="en-US"/>
-                    </a:p>
-                  </a:txBody>
-                  <a:tcPr/>
-                </a:tc>
-              </a:tr>
-              <a:tr h="403225">
-                <a:tc>
-                  <a:txBody>
-                    <a:bodyPr/>
-                    <a:lstStyle/>
-                    <a:p>
-                      <a:pPr>
-                        <a:buNone/>
-                      </a:pPr>
-                      <a:r>
-                        <a:rPr lang="zh-CN" altLang="en-US"/>
-                        <a:t>白嫖云</a:t>
-                      </a:r>
-                      <a:endParaRPr lang="zh-CN" altLang="en-US"/>
-                    </a:p>
-                  </a:txBody>
-                  <a:tcPr/>
-                </a:tc>
-                <a:tc>
-                  <a:txBody>
-                    <a:bodyPr/>
-                    <a:lstStyle/>
-                    <a:p>
-                      <a:pPr>
-                        <a:buNone/>
-                      </a:pPr>
-                      <a:r>
-                        <a:rPr lang="zh-CN" altLang="en-US"/>
-                        <a:t>https://baipiao.me/auth/register</a:t>
-                      </a:r>
-                      <a:endParaRPr lang="zh-CN" altLang="en-US"/>
-                    </a:p>
-                  </a:txBody>
-                  <a:tcPr/>
-                </a:tc>
-                <a:tc>
-                  <a:txBody>
-                    <a:bodyPr/>
-                    <a:lstStyle/>
-                    <a:p>
-                      <a:pPr>
-                        <a:buNone/>
-                      </a:pPr>
-                      <a:r>
-                        <a:rPr lang="zh-CN" altLang="en-US"/>
-                        <a:t>有</a:t>
-                      </a:r>
-                      <a:endParaRPr lang="zh-CN" altLang="en-US"/>
-                    </a:p>
-                  </a:txBody>
-                  <a:tcPr/>
-                </a:tc>
-              </a:tr>
-              <a:tr h="368300">
-                <a:tc>
-                  <a:txBody>
-                    <a:bodyPr/>
-                    <a:lstStyle/>
-                    <a:p>
-                      <a:pPr>
-                        <a:buNone/>
-                      </a:pPr>
-                      <a:r>
-                        <a:rPr lang="zh-CN" altLang="en-US"/>
-                        <a:t>青青草原蕉太郎</a:t>
-                      </a:r>
-                      <a:endParaRPr lang="zh-CN" altLang="en-US"/>
-                    </a:p>
-                  </a:txBody>
-                  <a:tcPr/>
-                </a:tc>
-                <a:tc>
-                  <a:txBody>
-                    <a:bodyPr/>
-                    <a:lstStyle/>
-                    <a:p>
-                      <a:pPr>
-                        <a:buNone/>
-                      </a:pPr>
-                      <a:r>
-                        <a:rPr lang="zh-CN" altLang="en-US"/>
-                        <a:t>https://paoluyun.xyz/auth/register</a:t>
                       </a:r>
                       <a:endParaRPr lang="zh-CN" altLang="en-US"/>
                     </a:p>
